--- a/docs/git-diff-2v3-dots.pptx
+++ b/docs/git-diff-2v3-dots.pptx
@@ -5125,11 +5125,16 @@
             <a:lstStyle/>
             <a:p>
               <a:pPr algn="ctr"/>
-              <a:endParaRPr lang="en-US" sz="4400" b="1" dirty="0">
-                <a:solidFill>
-                  <a:schemeClr val="tx1"/>
-                </a:solidFill>
-              </a:endParaRPr>
+              <a:r>
+                <a:rPr lang="en-US" sz="4400" b="1" dirty="0">
+                  <a:solidFill>
+                    <a:schemeClr val="bg1">
+                      <a:lumMod val="75000"/>
+                    </a:schemeClr>
+                  </a:solidFill>
+                </a:rPr>
+                <a:t>1</a:t>
+              </a:r>
             </a:p>
           </p:txBody>
         </p:sp>
@@ -5257,11 +5262,16 @@
             <a:lstStyle/>
             <a:p>
               <a:pPr algn="ctr"/>
-              <a:endParaRPr lang="en-US" sz="4400" b="1" dirty="0">
-                <a:solidFill>
-                  <a:schemeClr val="tx1"/>
-                </a:solidFill>
-              </a:endParaRPr>
+              <a:r>
+                <a:rPr lang="en-US" sz="4400" b="1" dirty="0">
+                  <a:solidFill>
+                    <a:schemeClr val="bg1">
+                      <a:lumMod val="75000"/>
+                    </a:schemeClr>
+                  </a:solidFill>
+                </a:rPr>
+                <a:t>3</a:t>
+              </a:r>
             </a:p>
           </p:txBody>
         </p:sp>
@@ -5319,11 +5329,16 @@
             <a:lstStyle/>
             <a:p>
               <a:pPr algn="ctr"/>
-              <a:endParaRPr lang="en-US" sz="4400" b="1" dirty="0">
-                <a:solidFill>
-                  <a:schemeClr val="tx1"/>
-                </a:solidFill>
-              </a:endParaRPr>
+              <a:r>
+                <a:rPr lang="en-US" sz="4400" b="1" dirty="0">
+                  <a:solidFill>
+                    <a:schemeClr val="bg1">
+                      <a:lumMod val="75000"/>
+                    </a:schemeClr>
+                  </a:solidFill>
+                </a:rPr>
+                <a:t>2</a:t>
+              </a:r>
             </a:p>
           </p:txBody>
         </p:sp>

--- a/docs/git-diff-2v3-dots.pptx
+++ b/docs/git-diff-2v3-dots.pptx
@@ -363,7 +363,7 @@
           <a:p>
             <a:fld id="{EEEEAC79-AD4F-4F57-A3B5-AE9CA857EFA5}" type="datetimeFigureOut">
               <a:rPr lang="en-US" smtClean="0"/>
-              <a:t>Wed Nov 9</a:t>
+              <a:t>Mon Feb 6</a:t>
             </a:fld>
             <a:endParaRPr lang="en-US"/>
           </a:p>
@@ -561,7 +561,7 @@
           <a:p>
             <a:fld id="{EEEEAC79-AD4F-4F57-A3B5-AE9CA857EFA5}" type="datetimeFigureOut">
               <a:rPr lang="en-US" smtClean="0"/>
-              <a:t>Wed Nov 9</a:t>
+              <a:t>Mon Feb 6</a:t>
             </a:fld>
             <a:endParaRPr lang="en-US"/>
           </a:p>
@@ -769,7 +769,7 @@
           <a:p>
             <a:fld id="{EEEEAC79-AD4F-4F57-A3B5-AE9CA857EFA5}" type="datetimeFigureOut">
               <a:rPr lang="en-US" smtClean="0"/>
-              <a:t>Wed Nov 9</a:t>
+              <a:t>Mon Feb 6</a:t>
             </a:fld>
             <a:endParaRPr lang="en-US"/>
           </a:p>
@@ -967,7 +967,7 @@
           <a:p>
             <a:fld id="{EEEEAC79-AD4F-4F57-A3B5-AE9CA857EFA5}" type="datetimeFigureOut">
               <a:rPr lang="en-US" smtClean="0"/>
-              <a:t>Wed Nov 9</a:t>
+              <a:t>Mon Feb 6</a:t>
             </a:fld>
             <a:endParaRPr lang="en-US"/>
           </a:p>
@@ -1242,7 +1242,7 @@
           <a:p>
             <a:fld id="{EEEEAC79-AD4F-4F57-A3B5-AE9CA857EFA5}" type="datetimeFigureOut">
               <a:rPr lang="en-US" smtClean="0"/>
-              <a:t>Wed Nov 9</a:t>
+              <a:t>Mon Feb 6</a:t>
             </a:fld>
             <a:endParaRPr lang="en-US"/>
           </a:p>
@@ -1507,7 +1507,7 @@
           <a:p>
             <a:fld id="{EEEEAC79-AD4F-4F57-A3B5-AE9CA857EFA5}" type="datetimeFigureOut">
               <a:rPr lang="en-US" smtClean="0"/>
-              <a:t>Wed Nov 9</a:t>
+              <a:t>Mon Feb 6</a:t>
             </a:fld>
             <a:endParaRPr lang="en-US"/>
           </a:p>
@@ -1919,7 +1919,7 @@
           <a:p>
             <a:fld id="{EEEEAC79-AD4F-4F57-A3B5-AE9CA857EFA5}" type="datetimeFigureOut">
               <a:rPr lang="en-US" smtClean="0"/>
-              <a:t>Wed Nov 9</a:t>
+              <a:t>Mon Feb 6</a:t>
             </a:fld>
             <a:endParaRPr lang="en-US"/>
           </a:p>
@@ -2060,7 +2060,7 @@
           <a:p>
             <a:fld id="{EEEEAC79-AD4F-4F57-A3B5-AE9CA857EFA5}" type="datetimeFigureOut">
               <a:rPr lang="en-US" smtClean="0"/>
-              <a:t>Wed Nov 9</a:t>
+              <a:t>Mon Feb 6</a:t>
             </a:fld>
             <a:endParaRPr lang="en-US"/>
           </a:p>
@@ -2173,7 +2173,7 @@
           <a:p>
             <a:fld id="{EEEEAC79-AD4F-4F57-A3B5-AE9CA857EFA5}" type="datetimeFigureOut">
               <a:rPr lang="en-US" smtClean="0"/>
-              <a:t>Wed Nov 9</a:t>
+              <a:t>Mon Feb 6</a:t>
             </a:fld>
             <a:endParaRPr lang="en-US"/>
           </a:p>
@@ -2484,7 +2484,7 @@
           <a:p>
             <a:fld id="{EEEEAC79-AD4F-4F57-A3B5-AE9CA857EFA5}" type="datetimeFigureOut">
               <a:rPr lang="en-US" smtClean="0"/>
-              <a:t>Wed Nov 9</a:t>
+              <a:t>Mon Feb 6</a:t>
             </a:fld>
             <a:endParaRPr lang="en-US"/>
           </a:p>
@@ -2772,7 +2772,7 @@
           <a:p>
             <a:fld id="{EEEEAC79-AD4F-4F57-A3B5-AE9CA857EFA5}" type="datetimeFigureOut">
               <a:rPr lang="en-US" smtClean="0"/>
-              <a:t>Wed Nov 9</a:t>
+              <a:t>Mon Feb 6</a:t>
             </a:fld>
             <a:endParaRPr lang="en-US"/>
           </a:p>
@@ -3013,7 +3013,7 @@
           <a:p>
             <a:fld id="{EEEEAC79-AD4F-4F57-A3B5-AE9CA857EFA5}" type="datetimeFigureOut">
               <a:rPr lang="en-US" smtClean="0"/>
-              <a:t>Wed Nov 9</a:t>
+              <a:t>Mon Feb 6</a:t>
             </a:fld>
             <a:endParaRPr lang="en-US"/>
           </a:p>
@@ -5474,6 +5474,57 @@
               </a:spcBef>
             </a:pPr>
             <a:r>
+              <a:rPr lang="en-US" b="1" dirty="0">
+                <a:latin typeface="Cascadia Code" panose="020B0609020000020004" pitchFamily="49" charset="0"/>
+                <a:ea typeface="Cascadia Code" panose="020B0609020000020004" pitchFamily="49" charset="0"/>
+                <a:cs typeface="Cascadia Code" panose="020B0609020000020004" pitchFamily="49" charset="0"/>
+              </a:rPr>
+              <a:t>git diff B C  </a:t>
+            </a:r>
+            <a:r>
+              <a:rPr lang="en-US" dirty="0">
+                <a:solidFill>
+                  <a:schemeClr val="accent2">
+                    <a:lumMod val="75000"/>
+                  </a:schemeClr>
+                </a:solidFill>
+                <a:latin typeface="Cascadia Code" panose="020B0609020000020004" pitchFamily="49" charset="0"/>
+                <a:ea typeface="Cascadia Code" panose="020B0609020000020004" pitchFamily="49" charset="0"/>
+                <a:cs typeface="Cascadia Code" panose="020B0609020000020004" pitchFamily="49" charset="0"/>
+              </a:rPr>
+              <a:t># CLI default</a:t>
+            </a:r>
+          </a:p>
+          <a:p>
+            <a:pPr>
+              <a:spcAft>
+                <a:spcPts val="1200"/>
+              </a:spcAft>
+            </a:pPr>
+            <a:r>
+              <a:rPr lang="en-US" b="1" dirty="0">
+                <a:latin typeface="Cascadia Code" panose="020B0609020000020004" pitchFamily="49" charset="0"/>
+                <a:ea typeface="Cascadia Code" panose="020B0609020000020004" pitchFamily="49" charset="0"/>
+                <a:cs typeface="Cascadia Code" panose="020B0609020000020004" pitchFamily="49" charset="0"/>
+              </a:rPr>
+              <a:t>git diff B..C </a:t>
+            </a:r>
+            <a:r>
+              <a:rPr lang="en-US" dirty="0">
+                <a:solidFill>
+                  <a:schemeClr val="accent2">
+                    <a:lumMod val="75000"/>
+                  </a:schemeClr>
+                </a:solidFill>
+                <a:latin typeface="Cascadia Code" panose="020B0609020000020004" pitchFamily="49" charset="0"/>
+                <a:ea typeface="Cascadia Code" panose="020B0609020000020004" pitchFamily="49" charset="0"/>
+                <a:cs typeface="Cascadia Code" panose="020B0609020000020004" pitchFamily="49" charset="0"/>
+              </a:rPr>
+              <a:t># same as above</a:t>
+            </a:r>
+          </a:p>
+          <a:p>
+            <a:r>
               <a:rPr lang="en-US" dirty="0">
                 <a:solidFill>
                   <a:schemeClr val="accent2">
@@ -5529,52 +5580,6 @@
               <a:cs typeface="Cascadia Code" panose="020B0609020000020004" pitchFamily="49" charset="0"/>
             </a:endParaRPr>
           </a:p>
-          <a:p>
-            <a:r>
-              <a:rPr lang="en-US" b="1" dirty="0">
-                <a:latin typeface="Cascadia Code" panose="020B0609020000020004" pitchFamily="49" charset="0"/>
-                <a:ea typeface="Cascadia Code" panose="020B0609020000020004" pitchFamily="49" charset="0"/>
-                <a:cs typeface="Cascadia Code" panose="020B0609020000020004" pitchFamily="49" charset="0"/>
-              </a:rPr>
-              <a:t>git diff B C  </a:t>
-            </a:r>
-            <a:r>
-              <a:rPr lang="en-US" dirty="0">
-                <a:solidFill>
-                  <a:schemeClr val="accent2">
-                    <a:lumMod val="75000"/>
-                  </a:schemeClr>
-                </a:solidFill>
-                <a:latin typeface="Cascadia Code" panose="020B0609020000020004" pitchFamily="49" charset="0"/>
-                <a:ea typeface="Cascadia Code" panose="020B0609020000020004" pitchFamily="49" charset="0"/>
-                <a:cs typeface="Cascadia Code" panose="020B0609020000020004" pitchFamily="49" charset="0"/>
-              </a:rPr>
-              <a:t># CLI default</a:t>
-            </a:r>
-          </a:p>
-          <a:p>
-            <a:r>
-              <a:rPr lang="en-US" b="1" dirty="0">
-                <a:latin typeface="Cascadia Code" panose="020B0609020000020004" pitchFamily="49" charset="0"/>
-                <a:ea typeface="Cascadia Code" panose="020B0609020000020004" pitchFamily="49" charset="0"/>
-                <a:cs typeface="Cascadia Code" panose="020B0609020000020004" pitchFamily="49" charset="0"/>
-              </a:rPr>
-              <a:t>git diff B..C </a:t>
-            </a:r>
-            <a:r>
-              <a:rPr lang="en-US" dirty="0">
-                <a:solidFill>
-                  <a:schemeClr val="accent2">
-                    <a:lumMod val="75000"/>
-                  </a:schemeClr>
-                </a:solidFill>
-                <a:latin typeface="Cascadia Code" panose="020B0609020000020004" pitchFamily="49" charset="0"/>
-                <a:ea typeface="Cascadia Code" panose="020B0609020000020004" pitchFamily="49" charset="0"/>
-                <a:cs typeface="Cascadia Code" panose="020B0609020000020004" pitchFamily="49" charset="0"/>
-              </a:rPr>
-              <a:t># same as above</a:t>
-            </a:r>
-          </a:p>
         </p:txBody>
       </p:sp>
       <p:sp>
@@ -5634,6 +5639,34 @@
                 </a:solidFill>
               </a:rPr>
               <a:t> dot notation</a:t>
+            </a:r>
+          </a:p>
+          <a:p>
+            <a:pPr>
+              <a:spcBef>
+                <a:spcPts val="1200"/>
+              </a:spcBef>
+            </a:pPr>
+            <a:r>
+              <a:rPr lang="en-US" b="1" dirty="0">
+                <a:latin typeface="Cascadia Code" panose="020B0609020000020004" pitchFamily="49" charset="0"/>
+                <a:ea typeface="Cascadia Code" panose="020B0609020000020004" pitchFamily="49" charset="0"/>
+                <a:cs typeface="Cascadia Code" panose="020B0609020000020004" pitchFamily="49" charset="0"/>
+              </a:rPr>
+              <a:t>git diff B...C </a:t>
+            </a:r>
+            <a:r>
+              <a:rPr lang="en-US" dirty="0">
+                <a:solidFill>
+                  <a:schemeClr val="accent1">
+                    <a:lumMod val="75000"/>
+                  </a:schemeClr>
+                </a:solidFill>
+                <a:latin typeface="Cascadia Code" panose="020B0609020000020004" pitchFamily="49" charset="0"/>
+                <a:ea typeface="Cascadia Code" panose="020B0609020000020004" pitchFamily="49" charset="0"/>
+                <a:cs typeface="Cascadia Code" panose="020B0609020000020004" pitchFamily="49" charset="0"/>
+              </a:rPr>
+              <a:t># branch diff</a:t>
             </a:r>
           </a:p>
           <a:p>
@@ -5744,29 +5777,6 @@
               <a:ea typeface="Cascadia Code" panose="020B0609020000020004" pitchFamily="49" charset="0"/>
               <a:cs typeface="Cascadia Code" panose="020B0609020000020004" pitchFamily="49" charset="0"/>
             </a:endParaRPr>
-          </a:p>
-          <a:p>
-            <a:r>
-              <a:rPr lang="en-US" b="1" dirty="0">
-                <a:latin typeface="Cascadia Code" panose="020B0609020000020004" pitchFamily="49" charset="0"/>
-                <a:ea typeface="Cascadia Code" panose="020B0609020000020004" pitchFamily="49" charset="0"/>
-                <a:cs typeface="Cascadia Code" panose="020B0609020000020004" pitchFamily="49" charset="0"/>
-              </a:rPr>
-              <a:t>git diff B...C </a:t>
-            </a:r>
-            <a:r>
-              <a:rPr lang="en-US" dirty="0">
-                <a:solidFill>
-                  <a:schemeClr val="accent1">
-                    <a:lumMod val="75000"/>
-                  </a:schemeClr>
-                </a:solidFill>
-                <a:latin typeface="Cascadia Code" panose="020B0609020000020004" pitchFamily="49" charset="0"/>
-                <a:ea typeface="Cascadia Code" panose="020B0609020000020004" pitchFamily="49" charset="0"/>
-                <a:cs typeface="Cascadia Code" panose="020B0609020000020004" pitchFamily="49" charset="0"/>
-              </a:rPr>
-              <a:t># branch diff</a:t>
-            </a:r>
           </a:p>
         </p:txBody>
       </p:sp>
